--- a/thesis/state_of_the_art_presentation/StateOTA/2018.05.01_SotA_presEN.pptx
+++ b/thesis/state_of_the_art_presentation/StateOTA/2018.05.01_SotA_presEN.pptx
@@ -225,7 +225,7 @@
           <a:p>
             <a:fld id="{898AEDEA-DB49-4097-ADE0-208C3D1E5CB1}" type="datetimeFigureOut">
               <a:rPr lang="cs-CZ" smtClean="0"/>
-              <a:t>07.05.2018</a:t>
+              <a:t>11.05.2018</a:t>
             </a:fld>
             <a:endParaRPr lang="cs-CZ"/>
           </a:p>
@@ -3696,7 +3696,7 @@
         <p:spPr>
           <a:xfrm>
             <a:off x="844304" y="1937358"/>
-            <a:ext cx="2278016" cy="4493538"/>
+            <a:ext cx="2278016" cy="3816429"/>
           </a:xfrm>
           <a:prstGeom prst="rect">
             <a:avLst/>
@@ -3728,7 +3728,7 @@
             </a:pPr>
             <a:r>
               <a:rPr lang="en-US" sz="2200" dirty="0"/>
-              <a:t>Does engine speed reaches 4500 rpm?</a:t>
+              <a:t>Does engine speed reach 4500 rpm?</a:t>
             </a:r>
           </a:p>
           <a:p>
@@ -3745,7 +3745,15 @@
             </a:pPr>
             <a:r>
               <a:rPr lang="en-US" sz="2200" dirty="0"/>
-              <a:t>Does vehicle speed exceeds 120 km/h?</a:t>
+              <a:t>Does vehicle </a:t>
+            </a:r>
+            <a:r>
+              <a:rPr lang="en-US" sz="2200"/>
+              <a:t>speed exceed </a:t>
+            </a:r>
+            <a:r>
+              <a:rPr lang="en-US" sz="2200" dirty="0"/>
+              <a:t>120 km/h?</a:t>
             </a:r>
           </a:p>
         </p:txBody>
